--- a/NCM/graphs.pptx
+++ b/NCM/graphs.pptx
@@ -11,6 +11,8 @@
     <p:sldId id="259" r:id="rId5"/>
     <p:sldId id="260" r:id="rId6"/>
     <p:sldId id="261" r:id="rId7"/>
+    <p:sldId id="262" r:id="rId8"/>
+    <p:sldId id="263" r:id="rId9"/>
   </p:sldIdLst>
   <p:sldSz cx="12192000" cy="6858000"/>
   <p:notesSz cx="6858000" cy="9144000"/>
@@ -109,6 +111,11 @@
       </a:defRPr>
     </a:lvl9pPr>
   </p:defaultTextStyle>
+  <p:extLst>
+    <p:ext uri="{EFAFB233-063F-42B5-8137-9DF3F51BA10A}">
+      <p15:sldGuideLst xmlns:p15="http://schemas.microsoft.com/office/powerpoint/2012/main"/>
+    </p:ext>
+  </p:extLst>
 </p:presentation>
 </file>
 
@@ -259,7 +266,7 @@
           <a:p>
             <a:fld id="{BA206F70-3733-F14F-AE96-EB7B1F34644F}" type="datetimeFigureOut">
               <a:rPr kumimoji="1" lang="zh-CN" altLang="en-US" smtClean="0"/>
-              <a:t>2021/9/26</a:t>
+              <a:t>2021/9/28</a:t>
             </a:fld>
             <a:endParaRPr kumimoji="1" lang="zh-CN" altLang="en-US"/>
           </a:p>
@@ -457,7 +464,7 @@
           <a:p>
             <a:fld id="{BA206F70-3733-F14F-AE96-EB7B1F34644F}" type="datetimeFigureOut">
               <a:rPr kumimoji="1" lang="zh-CN" altLang="en-US" smtClean="0"/>
-              <a:t>2021/9/26</a:t>
+              <a:t>2021/9/28</a:t>
             </a:fld>
             <a:endParaRPr kumimoji="1" lang="zh-CN" altLang="en-US"/>
           </a:p>
@@ -665,7 +672,7 @@
           <a:p>
             <a:fld id="{BA206F70-3733-F14F-AE96-EB7B1F34644F}" type="datetimeFigureOut">
               <a:rPr kumimoji="1" lang="zh-CN" altLang="en-US" smtClean="0"/>
-              <a:t>2021/9/26</a:t>
+              <a:t>2021/9/28</a:t>
             </a:fld>
             <a:endParaRPr kumimoji="1" lang="zh-CN" altLang="en-US"/>
           </a:p>
@@ -863,7 +870,7 @@
           <a:p>
             <a:fld id="{BA206F70-3733-F14F-AE96-EB7B1F34644F}" type="datetimeFigureOut">
               <a:rPr kumimoji="1" lang="zh-CN" altLang="en-US" smtClean="0"/>
-              <a:t>2021/9/26</a:t>
+              <a:t>2021/9/28</a:t>
             </a:fld>
             <a:endParaRPr kumimoji="1" lang="zh-CN" altLang="en-US"/>
           </a:p>
@@ -1138,7 +1145,7 @@
           <a:p>
             <a:fld id="{BA206F70-3733-F14F-AE96-EB7B1F34644F}" type="datetimeFigureOut">
               <a:rPr kumimoji="1" lang="zh-CN" altLang="en-US" smtClean="0"/>
-              <a:t>2021/9/26</a:t>
+              <a:t>2021/9/28</a:t>
             </a:fld>
             <a:endParaRPr kumimoji="1" lang="zh-CN" altLang="en-US"/>
           </a:p>
@@ -1403,7 +1410,7 @@
           <a:p>
             <a:fld id="{BA206F70-3733-F14F-AE96-EB7B1F34644F}" type="datetimeFigureOut">
               <a:rPr kumimoji="1" lang="zh-CN" altLang="en-US" smtClean="0"/>
-              <a:t>2021/9/26</a:t>
+              <a:t>2021/9/28</a:t>
             </a:fld>
             <a:endParaRPr kumimoji="1" lang="zh-CN" altLang="en-US"/>
           </a:p>
@@ -1815,7 +1822,7 @@
           <a:p>
             <a:fld id="{BA206F70-3733-F14F-AE96-EB7B1F34644F}" type="datetimeFigureOut">
               <a:rPr kumimoji="1" lang="zh-CN" altLang="en-US" smtClean="0"/>
-              <a:t>2021/9/26</a:t>
+              <a:t>2021/9/28</a:t>
             </a:fld>
             <a:endParaRPr kumimoji="1" lang="zh-CN" altLang="en-US"/>
           </a:p>
@@ -1956,7 +1963,7 @@
           <a:p>
             <a:fld id="{BA206F70-3733-F14F-AE96-EB7B1F34644F}" type="datetimeFigureOut">
               <a:rPr kumimoji="1" lang="zh-CN" altLang="en-US" smtClean="0"/>
-              <a:t>2021/9/26</a:t>
+              <a:t>2021/9/28</a:t>
             </a:fld>
             <a:endParaRPr kumimoji="1" lang="zh-CN" altLang="en-US"/>
           </a:p>
@@ -2069,7 +2076,7 @@
           <a:p>
             <a:fld id="{BA206F70-3733-F14F-AE96-EB7B1F34644F}" type="datetimeFigureOut">
               <a:rPr kumimoji="1" lang="zh-CN" altLang="en-US" smtClean="0"/>
-              <a:t>2021/9/26</a:t>
+              <a:t>2021/9/28</a:t>
             </a:fld>
             <a:endParaRPr kumimoji="1" lang="zh-CN" altLang="en-US"/>
           </a:p>
@@ -2380,7 +2387,7 @@
           <a:p>
             <a:fld id="{BA206F70-3733-F14F-AE96-EB7B1F34644F}" type="datetimeFigureOut">
               <a:rPr kumimoji="1" lang="zh-CN" altLang="en-US" smtClean="0"/>
-              <a:t>2021/9/26</a:t>
+              <a:t>2021/9/28</a:t>
             </a:fld>
             <a:endParaRPr kumimoji="1" lang="zh-CN" altLang="en-US"/>
           </a:p>
@@ -2668,7 +2675,7 @@
           <a:p>
             <a:fld id="{BA206F70-3733-F14F-AE96-EB7B1F34644F}" type="datetimeFigureOut">
               <a:rPr kumimoji="1" lang="zh-CN" altLang="en-US" smtClean="0"/>
-              <a:t>2021/9/26</a:t>
+              <a:t>2021/9/28</a:t>
             </a:fld>
             <a:endParaRPr kumimoji="1" lang="zh-CN" altLang="en-US"/>
           </a:p>
@@ -2909,7 +2916,7 @@
           <a:p>
             <a:fld id="{BA206F70-3733-F14F-AE96-EB7B1F34644F}" type="datetimeFigureOut">
               <a:rPr kumimoji="1" lang="zh-CN" altLang="en-US" smtClean="0"/>
-              <a:t>2021/9/26</a:t>
+              <a:t>2021/9/28</a:t>
             </a:fld>
             <a:endParaRPr kumimoji="1" lang="zh-CN" altLang="en-US"/>
           </a:p>
@@ -4138,6 +4145,263 @@
 </p:sld>
 </file>
 
+<file path=ppt/slides/slide7.xml><?xml version="1.0" encoding="utf-8"?>
+<p:sld xmlns:a="http://schemas.openxmlformats.org/drawingml/2006/main" xmlns:r="http://schemas.openxmlformats.org/officeDocument/2006/relationships" xmlns:p="http://schemas.openxmlformats.org/presentationml/2006/main">
+  <p:cSld>
+    <p:spTree>
+      <p:nvGrpSpPr>
+        <p:cNvPr id="1" name=""/>
+        <p:cNvGrpSpPr/>
+        <p:nvPr/>
+      </p:nvGrpSpPr>
+      <p:grpSpPr>
+        <a:xfrm>
+          <a:off x="0" y="0"/>
+          <a:ext cx="0" cy="0"/>
+          <a:chOff x="0" y="0"/>
+          <a:chExt cx="0" cy="0"/>
+        </a:xfrm>
+      </p:grpSpPr>
+      <p:pic>
+        <p:nvPicPr>
+          <p:cNvPr id="4" name="图片 3">
+            <a:extLst>
+              <a:ext uri="{FF2B5EF4-FFF2-40B4-BE49-F238E27FC236}">
+                <a16:creationId xmlns:a16="http://schemas.microsoft.com/office/drawing/2014/main" id="{02DB7C6B-EA81-6548-9AA1-09BA97C43A63}"/>
+              </a:ext>
+            </a:extLst>
+          </p:cNvPr>
+          <p:cNvPicPr>
+            <a:picLocks noChangeAspect="1"/>
+          </p:cNvPicPr>
+          <p:nvPr/>
+        </p:nvPicPr>
+        <p:blipFill>
+          <a:blip r:embed="rId2"/>
+          <a:stretch>
+            <a:fillRect/>
+          </a:stretch>
+        </p:blipFill>
+        <p:spPr>
+          <a:xfrm>
+            <a:off x="531739" y="1368473"/>
+            <a:ext cx="6261100" cy="3556000"/>
+          </a:xfrm>
+          <a:prstGeom prst="rect">
+            <a:avLst/>
+          </a:prstGeom>
+        </p:spPr>
+      </p:pic>
+      <p:pic>
+        <p:nvPicPr>
+          <p:cNvPr id="1026" name="Picture 2">
+            <a:extLst>
+              <a:ext uri="{FF2B5EF4-FFF2-40B4-BE49-F238E27FC236}">
+                <a16:creationId xmlns:a16="http://schemas.microsoft.com/office/drawing/2014/main" id="{31F50219-25C0-C347-B9C8-E4CEF658CC27}"/>
+              </a:ext>
+            </a:extLst>
+          </p:cNvPr>
+          <p:cNvPicPr>
+            <a:picLocks noChangeAspect="1" noChangeArrowheads="1"/>
+          </p:cNvPicPr>
+          <p:nvPr/>
+        </p:nvPicPr>
+        <p:blipFill>
+          <a:blip r:embed="rId3">
+            <a:extLst>
+              <a:ext uri="{28A0092B-C50C-407E-A947-70E740481C1C}">
+                <a14:useLocalDpi xmlns:a14="http://schemas.microsoft.com/office/drawing/2010/main" val="0"/>
+              </a:ext>
+            </a:extLst>
+          </a:blip>
+          <a:srcRect/>
+          <a:stretch>
+            <a:fillRect/>
+          </a:stretch>
+        </p:blipFill>
+        <p:spPr bwMode="auto">
+          <a:xfrm>
+            <a:off x="6961261" y="1470073"/>
+            <a:ext cx="4699000" cy="3352800"/>
+          </a:xfrm>
+          <a:prstGeom prst="rect">
+            <a:avLst/>
+          </a:prstGeom>
+          <a:noFill/>
+          <a:extLst>
+            <a:ext uri="{909E8E84-426E-40DD-AFC4-6F175D3DCCD1}">
+              <a14:hiddenFill xmlns:a14="http://schemas.microsoft.com/office/drawing/2010/main">
+                <a:solidFill>
+                  <a:srgbClr val="FFFFFF"/>
+                </a:solidFill>
+              </a14:hiddenFill>
+            </a:ext>
+          </a:extLst>
+        </p:spPr>
+      </p:pic>
+    </p:spTree>
+    <p:extLst>
+      <p:ext uri="{BB962C8B-B14F-4D97-AF65-F5344CB8AC3E}">
+        <p14:creationId xmlns:p14="http://schemas.microsoft.com/office/powerpoint/2010/main" val="3804117358"/>
+      </p:ext>
+    </p:extLst>
+  </p:cSld>
+  <p:clrMapOvr>
+    <a:masterClrMapping/>
+  </p:clrMapOvr>
+</p:sld>
+</file>
+
+<file path=ppt/slides/slide8.xml><?xml version="1.0" encoding="utf-8"?>
+<p:sld xmlns:a="http://schemas.openxmlformats.org/drawingml/2006/main" xmlns:r="http://schemas.openxmlformats.org/officeDocument/2006/relationships" xmlns:p="http://schemas.openxmlformats.org/presentationml/2006/main">
+  <p:cSld>
+    <p:spTree>
+      <p:nvGrpSpPr>
+        <p:cNvPr id="1" name=""/>
+        <p:cNvGrpSpPr/>
+        <p:nvPr/>
+      </p:nvGrpSpPr>
+      <p:grpSpPr>
+        <a:xfrm>
+          <a:off x="0" y="0"/>
+          <a:ext cx="0" cy="0"/>
+          <a:chOff x="0" y="0"/>
+          <a:chExt cx="0" cy="0"/>
+        </a:xfrm>
+      </p:grpSpPr>
+      <p:pic>
+        <p:nvPicPr>
+          <p:cNvPr id="11" name="图片 10">
+            <a:extLst>
+              <a:ext uri="{FF2B5EF4-FFF2-40B4-BE49-F238E27FC236}">
+                <a16:creationId xmlns:a16="http://schemas.microsoft.com/office/drawing/2014/main" id="{21FA6DB4-3133-6341-8F9D-808E6B4BDB80}"/>
+              </a:ext>
+            </a:extLst>
+          </p:cNvPr>
+          <p:cNvPicPr>
+            <a:picLocks noChangeAspect="1"/>
+          </p:cNvPicPr>
+          <p:nvPr/>
+        </p:nvPicPr>
+        <p:blipFill>
+          <a:blip r:embed="rId2"/>
+          <a:stretch>
+            <a:fillRect/>
+          </a:stretch>
+        </p:blipFill>
+        <p:spPr>
+          <a:xfrm>
+            <a:off x="0" y="1041400"/>
+            <a:ext cx="2729980" cy="3667760"/>
+          </a:xfrm>
+          <a:prstGeom prst="rect">
+            <a:avLst/>
+          </a:prstGeom>
+        </p:spPr>
+      </p:pic>
+      <p:pic>
+        <p:nvPicPr>
+          <p:cNvPr id="12" name="图片 11">
+            <a:extLst>
+              <a:ext uri="{FF2B5EF4-FFF2-40B4-BE49-F238E27FC236}">
+                <a16:creationId xmlns:a16="http://schemas.microsoft.com/office/drawing/2014/main" id="{B7CC6248-48B1-9D41-9837-E16481FD55CC}"/>
+              </a:ext>
+            </a:extLst>
+          </p:cNvPr>
+          <p:cNvPicPr>
+            <a:picLocks noChangeAspect="1"/>
+          </p:cNvPicPr>
+          <p:nvPr/>
+        </p:nvPicPr>
+        <p:blipFill>
+          <a:blip r:embed="rId3"/>
+          <a:stretch>
+            <a:fillRect/>
+          </a:stretch>
+        </p:blipFill>
+        <p:spPr>
+          <a:xfrm>
+            <a:off x="2684260" y="1280160"/>
+            <a:ext cx="2599274" cy="3429000"/>
+          </a:xfrm>
+          <a:prstGeom prst="rect">
+            <a:avLst/>
+          </a:prstGeom>
+        </p:spPr>
+      </p:pic>
+      <p:pic>
+        <p:nvPicPr>
+          <p:cNvPr id="13" name="图片 12">
+            <a:extLst>
+              <a:ext uri="{FF2B5EF4-FFF2-40B4-BE49-F238E27FC236}">
+                <a16:creationId xmlns:a16="http://schemas.microsoft.com/office/drawing/2014/main" id="{DFD21A86-03D8-0045-B7D0-B739BB9C600B}"/>
+              </a:ext>
+            </a:extLst>
+          </p:cNvPr>
+          <p:cNvPicPr>
+            <a:picLocks noChangeAspect="1"/>
+          </p:cNvPicPr>
+          <p:nvPr/>
+        </p:nvPicPr>
+        <p:blipFill>
+          <a:blip r:embed="rId4"/>
+          <a:stretch>
+            <a:fillRect/>
+          </a:stretch>
+        </p:blipFill>
+        <p:spPr>
+          <a:xfrm>
+            <a:off x="5283534" y="1280160"/>
+            <a:ext cx="2730500" cy="3429000"/>
+          </a:xfrm>
+          <a:prstGeom prst="rect">
+            <a:avLst/>
+          </a:prstGeom>
+        </p:spPr>
+      </p:pic>
+      <p:pic>
+        <p:nvPicPr>
+          <p:cNvPr id="14" name="图片 13">
+            <a:extLst>
+              <a:ext uri="{FF2B5EF4-FFF2-40B4-BE49-F238E27FC236}">
+                <a16:creationId xmlns:a16="http://schemas.microsoft.com/office/drawing/2014/main" id="{5574AF66-EDB0-E342-92B8-E7DA7D0F4327}"/>
+              </a:ext>
+            </a:extLst>
+          </p:cNvPr>
+          <p:cNvPicPr>
+            <a:picLocks noChangeAspect="1"/>
+          </p:cNvPicPr>
+          <p:nvPr/>
+        </p:nvPicPr>
+        <p:blipFill>
+          <a:blip r:embed="rId5"/>
+          <a:stretch>
+            <a:fillRect/>
+          </a:stretch>
+        </p:blipFill>
+        <p:spPr>
+          <a:xfrm>
+            <a:off x="8000236" y="1264920"/>
+            <a:ext cx="2749570" cy="3429000"/>
+          </a:xfrm>
+          <a:prstGeom prst="rect">
+            <a:avLst/>
+          </a:prstGeom>
+        </p:spPr>
+      </p:pic>
+    </p:spTree>
+    <p:extLst>
+      <p:ext uri="{BB962C8B-B14F-4D97-AF65-F5344CB8AC3E}">
+        <p14:creationId xmlns:p14="http://schemas.microsoft.com/office/powerpoint/2010/main" val="1039663650"/>
+      </p:ext>
+    </p:extLst>
+  </p:cSld>
+  <p:clrMapOvr>
+    <a:masterClrMapping/>
+  </p:clrMapOvr>
+</p:sld>
+</file>
+
 <file path=ppt/theme/theme1.xml><?xml version="1.0" encoding="utf-8"?>
 <a:theme xmlns:a="http://schemas.openxmlformats.org/drawingml/2006/main" name="Office 主题​​">
   <a:themeElements>

--- a/NCM/graphs.pptx
+++ b/NCM/graphs.pptx
@@ -266,7 +266,7 @@
           <a:p>
             <a:fld id="{BA206F70-3733-F14F-AE96-EB7B1F34644F}" type="datetimeFigureOut">
               <a:rPr kumimoji="1" lang="zh-CN" altLang="en-US" smtClean="0"/>
-              <a:t>2021/9/28</a:t>
+              <a:t>2021/10/6</a:t>
             </a:fld>
             <a:endParaRPr kumimoji="1" lang="zh-CN" altLang="en-US"/>
           </a:p>
@@ -464,7 +464,7 @@
           <a:p>
             <a:fld id="{BA206F70-3733-F14F-AE96-EB7B1F34644F}" type="datetimeFigureOut">
               <a:rPr kumimoji="1" lang="zh-CN" altLang="en-US" smtClean="0"/>
-              <a:t>2021/9/28</a:t>
+              <a:t>2021/10/6</a:t>
             </a:fld>
             <a:endParaRPr kumimoji="1" lang="zh-CN" altLang="en-US"/>
           </a:p>
@@ -672,7 +672,7 @@
           <a:p>
             <a:fld id="{BA206F70-3733-F14F-AE96-EB7B1F34644F}" type="datetimeFigureOut">
               <a:rPr kumimoji="1" lang="zh-CN" altLang="en-US" smtClean="0"/>
-              <a:t>2021/9/28</a:t>
+              <a:t>2021/10/6</a:t>
             </a:fld>
             <a:endParaRPr kumimoji="1" lang="zh-CN" altLang="en-US"/>
           </a:p>
@@ -870,7 +870,7 @@
           <a:p>
             <a:fld id="{BA206F70-3733-F14F-AE96-EB7B1F34644F}" type="datetimeFigureOut">
               <a:rPr kumimoji="1" lang="zh-CN" altLang="en-US" smtClean="0"/>
-              <a:t>2021/9/28</a:t>
+              <a:t>2021/10/6</a:t>
             </a:fld>
             <a:endParaRPr kumimoji="1" lang="zh-CN" altLang="en-US"/>
           </a:p>
@@ -1145,7 +1145,7 @@
           <a:p>
             <a:fld id="{BA206F70-3733-F14F-AE96-EB7B1F34644F}" type="datetimeFigureOut">
               <a:rPr kumimoji="1" lang="zh-CN" altLang="en-US" smtClean="0"/>
-              <a:t>2021/9/28</a:t>
+              <a:t>2021/10/6</a:t>
             </a:fld>
             <a:endParaRPr kumimoji="1" lang="zh-CN" altLang="en-US"/>
           </a:p>
@@ -1410,7 +1410,7 @@
           <a:p>
             <a:fld id="{BA206F70-3733-F14F-AE96-EB7B1F34644F}" type="datetimeFigureOut">
               <a:rPr kumimoji="1" lang="zh-CN" altLang="en-US" smtClean="0"/>
-              <a:t>2021/9/28</a:t>
+              <a:t>2021/10/6</a:t>
             </a:fld>
             <a:endParaRPr kumimoji="1" lang="zh-CN" altLang="en-US"/>
           </a:p>
@@ -1822,7 +1822,7 @@
           <a:p>
             <a:fld id="{BA206F70-3733-F14F-AE96-EB7B1F34644F}" type="datetimeFigureOut">
               <a:rPr kumimoji="1" lang="zh-CN" altLang="en-US" smtClean="0"/>
-              <a:t>2021/9/28</a:t>
+              <a:t>2021/10/6</a:t>
             </a:fld>
             <a:endParaRPr kumimoji="1" lang="zh-CN" altLang="en-US"/>
           </a:p>
@@ -1963,7 +1963,7 @@
           <a:p>
             <a:fld id="{BA206F70-3733-F14F-AE96-EB7B1F34644F}" type="datetimeFigureOut">
               <a:rPr kumimoji="1" lang="zh-CN" altLang="en-US" smtClean="0"/>
-              <a:t>2021/9/28</a:t>
+              <a:t>2021/10/6</a:t>
             </a:fld>
             <a:endParaRPr kumimoji="1" lang="zh-CN" altLang="en-US"/>
           </a:p>
@@ -2076,7 +2076,7 @@
           <a:p>
             <a:fld id="{BA206F70-3733-F14F-AE96-EB7B1F34644F}" type="datetimeFigureOut">
               <a:rPr kumimoji="1" lang="zh-CN" altLang="en-US" smtClean="0"/>
-              <a:t>2021/9/28</a:t>
+              <a:t>2021/10/6</a:t>
             </a:fld>
             <a:endParaRPr kumimoji="1" lang="zh-CN" altLang="en-US"/>
           </a:p>
@@ -2387,7 +2387,7 @@
           <a:p>
             <a:fld id="{BA206F70-3733-F14F-AE96-EB7B1F34644F}" type="datetimeFigureOut">
               <a:rPr kumimoji="1" lang="zh-CN" altLang="en-US" smtClean="0"/>
-              <a:t>2021/9/28</a:t>
+              <a:t>2021/10/6</a:t>
             </a:fld>
             <a:endParaRPr kumimoji="1" lang="zh-CN" altLang="en-US"/>
           </a:p>
@@ -2675,7 +2675,7 @@
           <a:p>
             <a:fld id="{BA206F70-3733-F14F-AE96-EB7B1F34644F}" type="datetimeFigureOut">
               <a:rPr kumimoji="1" lang="zh-CN" altLang="en-US" smtClean="0"/>
-              <a:t>2021/9/28</a:t>
+              <a:t>2021/10/6</a:t>
             </a:fld>
             <a:endParaRPr kumimoji="1" lang="zh-CN" altLang="en-US"/>
           </a:p>
@@ -2916,7 +2916,7 @@
           <a:p>
             <a:fld id="{BA206F70-3733-F14F-AE96-EB7B1F34644F}" type="datetimeFigureOut">
               <a:rPr kumimoji="1" lang="zh-CN" altLang="en-US" smtClean="0"/>
-              <a:t>2021/9/28</a:t>
+              <a:t>2021/10/6</a:t>
             </a:fld>
             <a:endParaRPr kumimoji="1" lang="zh-CN" altLang="en-US"/>
           </a:p>
@@ -4164,10 +4164,10 @@
       </p:grpSpPr>
       <p:pic>
         <p:nvPicPr>
-          <p:cNvPr id="4" name="图片 3">
-            <a:extLst>
-              <a:ext uri="{FF2B5EF4-FFF2-40B4-BE49-F238E27FC236}">
-                <a16:creationId xmlns:a16="http://schemas.microsoft.com/office/drawing/2014/main" id="{02DB7C6B-EA81-6548-9AA1-09BA97C43A63}"/>
+          <p:cNvPr id="2" name="图片 1">
+            <a:extLst>
+              <a:ext uri="{FF2B5EF4-FFF2-40B4-BE49-F238E27FC236}">
+                <a16:creationId xmlns:a16="http://schemas.microsoft.com/office/drawing/2014/main" id="{9873E6B7-98EC-F84D-BB83-0D314756E8F4}"/>
               </a:ext>
             </a:extLst>
           </p:cNvPr>
@@ -4184,8 +4184,8 @@
         </p:blipFill>
         <p:spPr>
           <a:xfrm>
-            <a:off x="531739" y="1368473"/>
-            <a:ext cx="6261100" cy="3556000"/>
+            <a:off x="531739" y="1470073"/>
+            <a:ext cx="6464300" cy="3632200"/>
           </a:xfrm>
           <a:prstGeom prst="rect">
             <a:avLst/>
@@ -4194,49 +4194,32 @@
       </p:pic>
       <p:pic>
         <p:nvPicPr>
-          <p:cNvPr id="1026" name="Picture 2">
-            <a:extLst>
-              <a:ext uri="{FF2B5EF4-FFF2-40B4-BE49-F238E27FC236}">
-                <a16:creationId xmlns:a16="http://schemas.microsoft.com/office/drawing/2014/main" id="{31F50219-25C0-C347-B9C8-E4CEF658CC27}"/>
+          <p:cNvPr id="3" name="图片 2">
+            <a:extLst>
+              <a:ext uri="{FF2B5EF4-FFF2-40B4-BE49-F238E27FC236}">
+                <a16:creationId xmlns:a16="http://schemas.microsoft.com/office/drawing/2014/main" id="{F71AF751-4F51-9C4C-B0B2-449949B58385}"/>
               </a:ext>
             </a:extLst>
           </p:cNvPr>
           <p:cNvPicPr>
-            <a:picLocks noChangeAspect="1" noChangeArrowheads="1"/>
+            <a:picLocks noChangeAspect="1"/>
           </p:cNvPicPr>
           <p:nvPr/>
         </p:nvPicPr>
         <p:blipFill>
-          <a:blip r:embed="rId3">
-            <a:extLst>
-              <a:ext uri="{28A0092B-C50C-407E-A947-70E740481C1C}">
-                <a14:useLocalDpi xmlns:a14="http://schemas.microsoft.com/office/drawing/2010/main" val="0"/>
-              </a:ext>
-            </a:extLst>
-          </a:blip>
-          <a:srcRect/>
+          <a:blip r:embed="rId3"/>
           <a:stretch>
             <a:fillRect/>
           </a:stretch>
         </p:blipFill>
-        <p:spPr bwMode="auto">
+        <p:spPr>
           <a:xfrm>
-            <a:off x="6961261" y="1470073"/>
-            <a:ext cx="4699000" cy="3352800"/>
+            <a:off x="6821170" y="1533573"/>
+            <a:ext cx="5041900" cy="3568700"/>
           </a:xfrm>
           <a:prstGeom prst="rect">
             <a:avLst/>
           </a:prstGeom>
-          <a:noFill/>
-          <a:extLst>
-            <a:ext uri="{909E8E84-426E-40DD-AFC4-6F175D3DCCD1}">
-              <a14:hiddenFill xmlns:a14="http://schemas.microsoft.com/office/drawing/2010/main">
-                <a:solidFill>
-                  <a:srgbClr val="FFFFFF"/>
-                </a:solidFill>
-              </a14:hiddenFill>
-            </a:ext>
-          </a:extLst>
         </p:spPr>
       </p:pic>
     </p:spTree>
@@ -4271,10 +4254,10 @@
       </p:grpSpPr>
       <p:pic>
         <p:nvPicPr>
-          <p:cNvPr id="11" name="图片 10">
-            <a:extLst>
-              <a:ext uri="{FF2B5EF4-FFF2-40B4-BE49-F238E27FC236}">
-                <a16:creationId xmlns:a16="http://schemas.microsoft.com/office/drawing/2014/main" id="{21FA6DB4-3133-6341-8F9D-808E6B4BDB80}"/>
+          <p:cNvPr id="2" name="图片 1">
+            <a:extLst>
+              <a:ext uri="{FF2B5EF4-FFF2-40B4-BE49-F238E27FC236}">
+                <a16:creationId xmlns:a16="http://schemas.microsoft.com/office/drawing/2014/main" id="{EC3D984D-61FF-2843-927F-3E87B7C10FC2}"/>
               </a:ext>
             </a:extLst>
           </p:cNvPr>
@@ -4291,8 +4274,8 @@
         </p:blipFill>
         <p:spPr>
           <a:xfrm>
-            <a:off x="0" y="1041400"/>
-            <a:ext cx="2729980" cy="3667760"/>
+            <a:off x="68600" y="1210310"/>
+            <a:ext cx="2610198" cy="3483610"/>
           </a:xfrm>
           <a:prstGeom prst="rect">
             <a:avLst/>
@@ -4301,10 +4284,10 @@
       </p:pic>
       <p:pic>
         <p:nvPicPr>
-          <p:cNvPr id="12" name="图片 11">
-            <a:extLst>
-              <a:ext uri="{FF2B5EF4-FFF2-40B4-BE49-F238E27FC236}">
-                <a16:creationId xmlns:a16="http://schemas.microsoft.com/office/drawing/2014/main" id="{B7CC6248-48B1-9D41-9837-E16481FD55CC}"/>
+          <p:cNvPr id="3" name="图片 2">
+            <a:extLst>
+              <a:ext uri="{FF2B5EF4-FFF2-40B4-BE49-F238E27FC236}">
+                <a16:creationId xmlns:a16="http://schemas.microsoft.com/office/drawing/2014/main" id="{8D6C96EF-97FC-974B-9F65-48F12EDBAB1F}"/>
               </a:ext>
             </a:extLst>
           </p:cNvPr>
@@ -4321,8 +4304,8 @@
         </p:blipFill>
         <p:spPr>
           <a:xfrm>
-            <a:off x="2684260" y="1280160"/>
-            <a:ext cx="2599274" cy="3429000"/>
+            <a:off x="2674966" y="1425854"/>
+            <a:ext cx="2608568" cy="3273299"/>
           </a:xfrm>
           <a:prstGeom prst="rect">
             <a:avLst/>
@@ -4331,10 +4314,10 @@
       </p:pic>
       <p:pic>
         <p:nvPicPr>
-          <p:cNvPr id="13" name="图片 12">
-            <a:extLst>
-              <a:ext uri="{FF2B5EF4-FFF2-40B4-BE49-F238E27FC236}">
-                <a16:creationId xmlns:a16="http://schemas.microsoft.com/office/drawing/2014/main" id="{DFD21A86-03D8-0045-B7D0-B739BB9C600B}"/>
+          <p:cNvPr id="4" name="图片 3">
+            <a:extLst>
+              <a:ext uri="{FF2B5EF4-FFF2-40B4-BE49-F238E27FC236}">
+                <a16:creationId xmlns:a16="http://schemas.microsoft.com/office/drawing/2014/main" id="{6F76772A-5FCD-AE42-9C11-F96B447542E1}"/>
               </a:ext>
             </a:extLst>
           </p:cNvPr>
@@ -4351,8 +4334,8 @@
         </p:blipFill>
         <p:spPr>
           <a:xfrm>
-            <a:off x="5283534" y="1280160"/>
-            <a:ext cx="2730500" cy="3429000"/>
+            <a:off x="5283534" y="1420621"/>
+            <a:ext cx="2586310" cy="3273299"/>
           </a:xfrm>
           <a:prstGeom prst="rect">
             <a:avLst/>
@@ -4361,10 +4344,10 @@
       </p:pic>
       <p:pic>
         <p:nvPicPr>
-          <p:cNvPr id="14" name="图片 13">
-            <a:extLst>
-              <a:ext uri="{FF2B5EF4-FFF2-40B4-BE49-F238E27FC236}">
-                <a16:creationId xmlns:a16="http://schemas.microsoft.com/office/drawing/2014/main" id="{5574AF66-EDB0-E342-92B8-E7DA7D0F4327}"/>
+          <p:cNvPr id="5" name="图片 4">
+            <a:extLst>
+              <a:ext uri="{FF2B5EF4-FFF2-40B4-BE49-F238E27FC236}">
+                <a16:creationId xmlns:a16="http://schemas.microsoft.com/office/drawing/2014/main" id="{448AFBBF-1D6D-244F-8AEE-0B73385AF467}"/>
               </a:ext>
             </a:extLst>
           </p:cNvPr>
@@ -4381,8 +4364,8 @@
         </p:blipFill>
         <p:spPr>
           <a:xfrm>
-            <a:off x="8000236" y="1264920"/>
-            <a:ext cx="2749570" cy="3429000"/>
+            <a:off x="7864824" y="1420621"/>
+            <a:ext cx="2608568" cy="3275876"/>
           </a:xfrm>
           <a:prstGeom prst="rect">
             <a:avLst/>

--- a/NCM/graphs.pptx
+++ b/NCM/graphs.pptx
@@ -13,6 +13,8 @@
     <p:sldId id="261" r:id="rId7"/>
     <p:sldId id="262" r:id="rId8"/>
     <p:sldId id="263" r:id="rId9"/>
+    <p:sldId id="264" r:id="rId10"/>
+    <p:sldId id="265" r:id="rId11"/>
   </p:sldIdLst>
   <p:sldSz cx="12192000" cy="6858000"/>
   <p:notesSz cx="6858000" cy="9144000"/>
@@ -266,7 +268,7 @@
           <a:p>
             <a:fld id="{BA206F70-3733-F14F-AE96-EB7B1F34644F}" type="datetimeFigureOut">
               <a:rPr kumimoji="1" lang="zh-CN" altLang="en-US" smtClean="0"/>
-              <a:t>2021/10/6</a:t>
+              <a:t>2021/10/13</a:t>
             </a:fld>
             <a:endParaRPr kumimoji="1" lang="zh-CN" altLang="en-US"/>
           </a:p>
@@ -464,7 +466,7 @@
           <a:p>
             <a:fld id="{BA206F70-3733-F14F-AE96-EB7B1F34644F}" type="datetimeFigureOut">
               <a:rPr kumimoji="1" lang="zh-CN" altLang="en-US" smtClean="0"/>
-              <a:t>2021/10/6</a:t>
+              <a:t>2021/10/13</a:t>
             </a:fld>
             <a:endParaRPr kumimoji="1" lang="zh-CN" altLang="en-US"/>
           </a:p>
@@ -672,7 +674,7 @@
           <a:p>
             <a:fld id="{BA206F70-3733-F14F-AE96-EB7B1F34644F}" type="datetimeFigureOut">
               <a:rPr kumimoji="1" lang="zh-CN" altLang="en-US" smtClean="0"/>
-              <a:t>2021/10/6</a:t>
+              <a:t>2021/10/13</a:t>
             </a:fld>
             <a:endParaRPr kumimoji="1" lang="zh-CN" altLang="en-US"/>
           </a:p>
@@ -870,7 +872,7 @@
           <a:p>
             <a:fld id="{BA206F70-3733-F14F-AE96-EB7B1F34644F}" type="datetimeFigureOut">
               <a:rPr kumimoji="1" lang="zh-CN" altLang="en-US" smtClean="0"/>
-              <a:t>2021/10/6</a:t>
+              <a:t>2021/10/13</a:t>
             </a:fld>
             <a:endParaRPr kumimoji="1" lang="zh-CN" altLang="en-US"/>
           </a:p>
@@ -1145,7 +1147,7 @@
           <a:p>
             <a:fld id="{BA206F70-3733-F14F-AE96-EB7B1F34644F}" type="datetimeFigureOut">
               <a:rPr kumimoji="1" lang="zh-CN" altLang="en-US" smtClean="0"/>
-              <a:t>2021/10/6</a:t>
+              <a:t>2021/10/13</a:t>
             </a:fld>
             <a:endParaRPr kumimoji="1" lang="zh-CN" altLang="en-US"/>
           </a:p>
@@ -1410,7 +1412,7 @@
           <a:p>
             <a:fld id="{BA206F70-3733-F14F-AE96-EB7B1F34644F}" type="datetimeFigureOut">
               <a:rPr kumimoji="1" lang="zh-CN" altLang="en-US" smtClean="0"/>
-              <a:t>2021/10/6</a:t>
+              <a:t>2021/10/13</a:t>
             </a:fld>
             <a:endParaRPr kumimoji="1" lang="zh-CN" altLang="en-US"/>
           </a:p>
@@ -1822,7 +1824,7 @@
           <a:p>
             <a:fld id="{BA206F70-3733-F14F-AE96-EB7B1F34644F}" type="datetimeFigureOut">
               <a:rPr kumimoji="1" lang="zh-CN" altLang="en-US" smtClean="0"/>
-              <a:t>2021/10/6</a:t>
+              <a:t>2021/10/13</a:t>
             </a:fld>
             <a:endParaRPr kumimoji="1" lang="zh-CN" altLang="en-US"/>
           </a:p>
@@ -1963,7 +1965,7 @@
           <a:p>
             <a:fld id="{BA206F70-3733-F14F-AE96-EB7B1F34644F}" type="datetimeFigureOut">
               <a:rPr kumimoji="1" lang="zh-CN" altLang="en-US" smtClean="0"/>
-              <a:t>2021/10/6</a:t>
+              <a:t>2021/10/13</a:t>
             </a:fld>
             <a:endParaRPr kumimoji="1" lang="zh-CN" altLang="en-US"/>
           </a:p>
@@ -2076,7 +2078,7 @@
           <a:p>
             <a:fld id="{BA206F70-3733-F14F-AE96-EB7B1F34644F}" type="datetimeFigureOut">
               <a:rPr kumimoji="1" lang="zh-CN" altLang="en-US" smtClean="0"/>
-              <a:t>2021/10/6</a:t>
+              <a:t>2021/10/13</a:t>
             </a:fld>
             <a:endParaRPr kumimoji="1" lang="zh-CN" altLang="en-US"/>
           </a:p>
@@ -2387,7 +2389,7 @@
           <a:p>
             <a:fld id="{BA206F70-3733-F14F-AE96-EB7B1F34644F}" type="datetimeFigureOut">
               <a:rPr kumimoji="1" lang="zh-CN" altLang="en-US" smtClean="0"/>
-              <a:t>2021/10/6</a:t>
+              <a:t>2021/10/13</a:t>
             </a:fld>
             <a:endParaRPr kumimoji="1" lang="zh-CN" altLang="en-US"/>
           </a:p>
@@ -2675,7 +2677,7 @@
           <a:p>
             <a:fld id="{BA206F70-3733-F14F-AE96-EB7B1F34644F}" type="datetimeFigureOut">
               <a:rPr kumimoji="1" lang="zh-CN" altLang="en-US" smtClean="0"/>
-              <a:t>2021/10/6</a:t>
+              <a:t>2021/10/13</a:t>
             </a:fld>
             <a:endParaRPr kumimoji="1" lang="zh-CN" altLang="en-US"/>
           </a:p>
@@ -2916,7 +2918,7 @@
           <a:p>
             <a:fld id="{BA206F70-3733-F14F-AE96-EB7B1F34644F}" type="datetimeFigureOut">
               <a:rPr kumimoji="1" lang="zh-CN" altLang="en-US" smtClean="0"/>
-              <a:t>2021/10/6</a:t>
+              <a:t>2021/10/13</a:t>
             </a:fld>
             <a:endParaRPr kumimoji="1" lang="zh-CN" altLang="en-US"/>
           </a:p>
@@ -3465,6 +3467,96 @@
 </p:sld>
 </file>
 
+<file path=ppt/slides/slide10.xml><?xml version="1.0" encoding="utf-8"?>
+<p:sld xmlns:a="http://schemas.openxmlformats.org/drawingml/2006/main" xmlns:r="http://schemas.openxmlformats.org/officeDocument/2006/relationships" xmlns:p="http://schemas.openxmlformats.org/presentationml/2006/main">
+  <p:cSld>
+    <p:spTree>
+      <p:nvGrpSpPr>
+        <p:cNvPr id="1" name=""/>
+        <p:cNvGrpSpPr/>
+        <p:nvPr/>
+      </p:nvGrpSpPr>
+      <p:grpSpPr>
+        <a:xfrm>
+          <a:off x="0" y="0"/>
+          <a:ext cx="0" cy="0"/>
+          <a:chOff x="0" y="0"/>
+          <a:chExt cx="0" cy="0"/>
+        </a:xfrm>
+      </p:grpSpPr>
+      <p:pic>
+        <p:nvPicPr>
+          <p:cNvPr id="2" name="图片 1">
+            <a:extLst>
+              <a:ext uri="{FF2B5EF4-FFF2-40B4-BE49-F238E27FC236}">
+                <a16:creationId xmlns:a16="http://schemas.microsoft.com/office/drawing/2014/main" id="{CF340322-110F-8541-BDB9-779D56F4B66B}"/>
+              </a:ext>
+            </a:extLst>
+          </p:cNvPr>
+          <p:cNvPicPr>
+            <a:picLocks noChangeAspect="1"/>
+          </p:cNvPicPr>
+          <p:nvPr/>
+        </p:nvPicPr>
+        <p:blipFill>
+          <a:blip r:embed="rId2"/>
+          <a:stretch>
+            <a:fillRect/>
+          </a:stretch>
+        </p:blipFill>
+        <p:spPr>
+          <a:xfrm>
+            <a:off x="192942" y="1454150"/>
+            <a:ext cx="5176697" cy="2942004"/>
+          </a:xfrm>
+          <a:prstGeom prst="rect">
+            <a:avLst/>
+          </a:prstGeom>
+        </p:spPr>
+      </p:pic>
+      <p:pic>
+        <p:nvPicPr>
+          <p:cNvPr id="3" name="图片 2">
+            <a:extLst>
+              <a:ext uri="{FF2B5EF4-FFF2-40B4-BE49-F238E27FC236}">
+                <a16:creationId xmlns:a16="http://schemas.microsoft.com/office/drawing/2014/main" id="{2393E524-6C8B-1A48-BD68-5F1B466B0C2E}"/>
+              </a:ext>
+            </a:extLst>
+          </p:cNvPr>
+          <p:cNvPicPr>
+            <a:picLocks noChangeAspect="1"/>
+          </p:cNvPicPr>
+          <p:nvPr/>
+        </p:nvPicPr>
+        <p:blipFill>
+          <a:blip r:embed="rId3"/>
+          <a:stretch>
+            <a:fillRect/>
+          </a:stretch>
+        </p:blipFill>
+        <p:spPr>
+          <a:xfrm>
+            <a:off x="5206512" y="1351085"/>
+            <a:ext cx="4465026" cy="3267092"/>
+          </a:xfrm>
+          <a:prstGeom prst="rect">
+            <a:avLst/>
+          </a:prstGeom>
+        </p:spPr>
+      </p:pic>
+    </p:spTree>
+    <p:extLst>
+      <p:ext uri="{BB962C8B-B14F-4D97-AF65-F5344CB8AC3E}">
+        <p14:creationId xmlns:p14="http://schemas.microsoft.com/office/powerpoint/2010/main" val="3481929506"/>
+      </p:ext>
+    </p:extLst>
+  </p:cSld>
+  <p:clrMapOvr>
+    <a:masterClrMapping/>
+  </p:clrMapOvr>
+</p:sld>
+</file>
+
 <file path=ppt/slides/slide2.xml><?xml version="1.0" encoding="utf-8"?>
 <p:sld xmlns:a="http://schemas.openxmlformats.org/drawingml/2006/main" xmlns:r="http://schemas.openxmlformats.org/officeDocument/2006/relationships" xmlns:p="http://schemas.openxmlformats.org/presentationml/2006/main">
   <p:cSld>
@@ -4376,6 +4468,96 @@
     <p:extLst>
       <p:ext uri="{BB962C8B-B14F-4D97-AF65-F5344CB8AC3E}">
         <p14:creationId xmlns:p14="http://schemas.microsoft.com/office/powerpoint/2010/main" val="1039663650"/>
+      </p:ext>
+    </p:extLst>
+  </p:cSld>
+  <p:clrMapOvr>
+    <a:masterClrMapping/>
+  </p:clrMapOvr>
+</p:sld>
+</file>
+
+<file path=ppt/slides/slide9.xml><?xml version="1.0" encoding="utf-8"?>
+<p:sld xmlns:a="http://schemas.openxmlformats.org/drawingml/2006/main" xmlns:r="http://schemas.openxmlformats.org/officeDocument/2006/relationships" xmlns:p="http://schemas.openxmlformats.org/presentationml/2006/main">
+  <p:cSld>
+    <p:spTree>
+      <p:nvGrpSpPr>
+        <p:cNvPr id="1" name=""/>
+        <p:cNvGrpSpPr/>
+        <p:nvPr/>
+      </p:nvGrpSpPr>
+      <p:grpSpPr>
+        <a:xfrm>
+          <a:off x="0" y="0"/>
+          <a:ext cx="0" cy="0"/>
+          <a:chOff x="0" y="0"/>
+          <a:chExt cx="0" cy="0"/>
+        </a:xfrm>
+      </p:grpSpPr>
+      <p:pic>
+        <p:nvPicPr>
+          <p:cNvPr id="4" name="图片 3">
+            <a:extLst>
+              <a:ext uri="{FF2B5EF4-FFF2-40B4-BE49-F238E27FC236}">
+                <a16:creationId xmlns:a16="http://schemas.microsoft.com/office/drawing/2014/main" id="{E1B2B6ED-07BE-494A-821D-7ACA47DD2303}"/>
+              </a:ext>
+            </a:extLst>
+          </p:cNvPr>
+          <p:cNvPicPr>
+            <a:picLocks noChangeAspect="1"/>
+          </p:cNvPicPr>
+          <p:nvPr/>
+        </p:nvPicPr>
+        <p:blipFill>
+          <a:blip r:embed="rId2"/>
+          <a:stretch>
+            <a:fillRect/>
+          </a:stretch>
+        </p:blipFill>
+        <p:spPr>
+          <a:xfrm>
+            <a:off x="306753" y="1526443"/>
+            <a:ext cx="5892433" cy="3335117"/>
+          </a:xfrm>
+          <a:prstGeom prst="rect">
+            <a:avLst/>
+          </a:prstGeom>
+        </p:spPr>
+      </p:pic>
+      <p:pic>
+        <p:nvPicPr>
+          <p:cNvPr id="5" name="图片 4">
+            <a:extLst>
+              <a:ext uri="{FF2B5EF4-FFF2-40B4-BE49-F238E27FC236}">
+                <a16:creationId xmlns:a16="http://schemas.microsoft.com/office/drawing/2014/main" id="{0E244B5D-D863-3244-90DB-83498D147F59}"/>
+              </a:ext>
+            </a:extLst>
+          </p:cNvPr>
+          <p:cNvPicPr>
+            <a:picLocks noChangeAspect="1"/>
+          </p:cNvPicPr>
+          <p:nvPr/>
+        </p:nvPicPr>
+        <p:blipFill>
+          <a:blip r:embed="rId3"/>
+          <a:stretch>
+            <a:fillRect/>
+          </a:stretch>
+        </p:blipFill>
+        <p:spPr>
+          <a:xfrm>
+            <a:off x="6096000" y="1526443"/>
+            <a:ext cx="4889500" cy="3492500"/>
+          </a:xfrm>
+          <a:prstGeom prst="rect">
+            <a:avLst/>
+          </a:prstGeom>
+        </p:spPr>
+      </p:pic>
+    </p:spTree>
+    <p:extLst>
+      <p:ext uri="{BB962C8B-B14F-4D97-AF65-F5344CB8AC3E}">
+        <p14:creationId xmlns:p14="http://schemas.microsoft.com/office/powerpoint/2010/main" val="2772769141"/>
       </p:ext>
     </p:extLst>
   </p:cSld>

--- a/NCM/graphs.pptx
+++ b/NCM/graphs.pptx
@@ -15,6 +15,7 @@
     <p:sldId id="263" r:id="rId9"/>
     <p:sldId id="264" r:id="rId10"/>
     <p:sldId id="265" r:id="rId11"/>
+    <p:sldId id="266" r:id="rId12"/>
   </p:sldIdLst>
   <p:sldSz cx="12192000" cy="6858000"/>
   <p:notesSz cx="6858000" cy="9144000"/>
@@ -268,7 +269,7 @@
           <a:p>
             <a:fld id="{BA206F70-3733-F14F-AE96-EB7B1F34644F}" type="datetimeFigureOut">
               <a:rPr kumimoji="1" lang="zh-CN" altLang="en-US" smtClean="0"/>
-              <a:t>2021/10/13</a:t>
+              <a:t>2021/10/16</a:t>
             </a:fld>
             <a:endParaRPr kumimoji="1" lang="zh-CN" altLang="en-US"/>
           </a:p>
@@ -466,7 +467,7 @@
           <a:p>
             <a:fld id="{BA206F70-3733-F14F-AE96-EB7B1F34644F}" type="datetimeFigureOut">
               <a:rPr kumimoji="1" lang="zh-CN" altLang="en-US" smtClean="0"/>
-              <a:t>2021/10/13</a:t>
+              <a:t>2021/10/16</a:t>
             </a:fld>
             <a:endParaRPr kumimoji="1" lang="zh-CN" altLang="en-US"/>
           </a:p>
@@ -674,7 +675,7 @@
           <a:p>
             <a:fld id="{BA206F70-3733-F14F-AE96-EB7B1F34644F}" type="datetimeFigureOut">
               <a:rPr kumimoji="1" lang="zh-CN" altLang="en-US" smtClean="0"/>
-              <a:t>2021/10/13</a:t>
+              <a:t>2021/10/16</a:t>
             </a:fld>
             <a:endParaRPr kumimoji="1" lang="zh-CN" altLang="en-US"/>
           </a:p>
@@ -872,7 +873,7 @@
           <a:p>
             <a:fld id="{BA206F70-3733-F14F-AE96-EB7B1F34644F}" type="datetimeFigureOut">
               <a:rPr kumimoji="1" lang="zh-CN" altLang="en-US" smtClean="0"/>
-              <a:t>2021/10/13</a:t>
+              <a:t>2021/10/16</a:t>
             </a:fld>
             <a:endParaRPr kumimoji="1" lang="zh-CN" altLang="en-US"/>
           </a:p>
@@ -1147,7 +1148,7 @@
           <a:p>
             <a:fld id="{BA206F70-3733-F14F-AE96-EB7B1F34644F}" type="datetimeFigureOut">
               <a:rPr kumimoji="1" lang="zh-CN" altLang="en-US" smtClean="0"/>
-              <a:t>2021/10/13</a:t>
+              <a:t>2021/10/16</a:t>
             </a:fld>
             <a:endParaRPr kumimoji="1" lang="zh-CN" altLang="en-US"/>
           </a:p>
@@ -1412,7 +1413,7 @@
           <a:p>
             <a:fld id="{BA206F70-3733-F14F-AE96-EB7B1F34644F}" type="datetimeFigureOut">
               <a:rPr kumimoji="1" lang="zh-CN" altLang="en-US" smtClean="0"/>
-              <a:t>2021/10/13</a:t>
+              <a:t>2021/10/16</a:t>
             </a:fld>
             <a:endParaRPr kumimoji="1" lang="zh-CN" altLang="en-US"/>
           </a:p>
@@ -1824,7 +1825,7 @@
           <a:p>
             <a:fld id="{BA206F70-3733-F14F-AE96-EB7B1F34644F}" type="datetimeFigureOut">
               <a:rPr kumimoji="1" lang="zh-CN" altLang="en-US" smtClean="0"/>
-              <a:t>2021/10/13</a:t>
+              <a:t>2021/10/16</a:t>
             </a:fld>
             <a:endParaRPr kumimoji="1" lang="zh-CN" altLang="en-US"/>
           </a:p>
@@ -1965,7 +1966,7 @@
           <a:p>
             <a:fld id="{BA206F70-3733-F14F-AE96-EB7B1F34644F}" type="datetimeFigureOut">
               <a:rPr kumimoji="1" lang="zh-CN" altLang="en-US" smtClean="0"/>
-              <a:t>2021/10/13</a:t>
+              <a:t>2021/10/16</a:t>
             </a:fld>
             <a:endParaRPr kumimoji="1" lang="zh-CN" altLang="en-US"/>
           </a:p>
@@ -2078,7 +2079,7 @@
           <a:p>
             <a:fld id="{BA206F70-3733-F14F-AE96-EB7B1F34644F}" type="datetimeFigureOut">
               <a:rPr kumimoji="1" lang="zh-CN" altLang="en-US" smtClean="0"/>
-              <a:t>2021/10/13</a:t>
+              <a:t>2021/10/16</a:t>
             </a:fld>
             <a:endParaRPr kumimoji="1" lang="zh-CN" altLang="en-US"/>
           </a:p>
@@ -2389,7 +2390,7 @@
           <a:p>
             <a:fld id="{BA206F70-3733-F14F-AE96-EB7B1F34644F}" type="datetimeFigureOut">
               <a:rPr kumimoji="1" lang="zh-CN" altLang="en-US" smtClean="0"/>
-              <a:t>2021/10/13</a:t>
+              <a:t>2021/10/16</a:t>
             </a:fld>
             <a:endParaRPr kumimoji="1" lang="zh-CN" altLang="en-US"/>
           </a:p>
@@ -2677,7 +2678,7 @@
           <a:p>
             <a:fld id="{BA206F70-3733-F14F-AE96-EB7B1F34644F}" type="datetimeFigureOut">
               <a:rPr kumimoji="1" lang="zh-CN" altLang="en-US" smtClean="0"/>
-              <a:t>2021/10/13</a:t>
+              <a:t>2021/10/16</a:t>
             </a:fld>
             <a:endParaRPr kumimoji="1" lang="zh-CN" altLang="en-US"/>
           </a:p>
@@ -2918,7 +2919,7 @@
           <a:p>
             <a:fld id="{BA206F70-3733-F14F-AE96-EB7B1F34644F}" type="datetimeFigureOut">
               <a:rPr kumimoji="1" lang="zh-CN" altLang="en-US" smtClean="0"/>
-              <a:t>2021/10/13</a:t>
+              <a:t>2021/10/16</a:t>
             </a:fld>
             <a:endParaRPr kumimoji="1" lang="zh-CN" altLang="en-US"/>
           </a:p>
@@ -3557,6 +3558,95 @@
 </p:sld>
 </file>
 
+<file path=ppt/slides/slide11.xml><?xml version="1.0" encoding="utf-8"?>
+<p:sld xmlns:a="http://schemas.openxmlformats.org/drawingml/2006/main" xmlns:r="http://schemas.openxmlformats.org/officeDocument/2006/relationships" xmlns:p="http://schemas.openxmlformats.org/presentationml/2006/main">
+  <p:cSld>
+    <p:spTree>
+      <p:nvGrpSpPr>
+        <p:cNvPr id="1" name=""/>
+        <p:cNvGrpSpPr/>
+        <p:nvPr/>
+      </p:nvGrpSpPr>
+      <p:grpSpPr>
+        <a:xfrm>
+          <a:off x="0" y="0"/>
+          <a:ext cx="0" cy="0"/>
+          <a:chOff x="0" y="0"/>
+          <a:chExt cx="0" cy="0"/>
+        </a:xfrm>
+      </p:grpSpPr>
+      <p:pic>
+        <p:nvPicPr>
+          <p:cNvPr id="4" name="图片 3">
+            <a:extLst>
+              <a:ext uri="{FF2B5EF4-FFF2-40B4-BE49-F238E27FC236}">
+                <a16:creationId xmlns:a16="http://schemas.microsoft.com/office/drawing/2014/main" id="{D4E62EC0-9046-C44D-9F95-9291B3822AC0}"/>
+              </a:ext>
+            </a:extLst>
+          </p:cNvPr>
+          <p:cNvPicPr>
+            <a:picLocks noChangeAspect="1"/>
+          </p:cNvPicPr>
+          <p:nvPr/>
+        </p:nvPicPr>
+        <p:blipFill rotWithShape="1">
+          <a:blip r:embed="rId2"/>
+          <a:srcRect t="2063"/>
+          <a:stretch/>
+        </p:blipFill>
+        <p:spPr>
+          <a:xfrm>
+            <a:off x="46892" y="1661160"/>
+            <a:ext cx="5193323" cy="2894923"/>
+          </a:xfrm>
+          <a:prstGeom prst="rect">
+            <a:avLst/>
+          </a:prstGeom>
+        </p:spPr>
+      </p:pic>
+      <p:pic>
+        <p:nvPicPr>
+          <p:cNvPr id="5" name="图片 4">
+            <a:extLst>
+              <a:ext uri="{FF2B5EF4-FFF2-40B4-BE49-F238E27FC236}">
+                <a16:creationId xmlns:a16="http://schemas.microsoft.com/office/drawing/2014/main" id="{707AD8B7-4ED0-1846-BDB9-FB75CF0A4BB4}"/>
+              </a:ext>
+            </a:extLst>
+          </p:cNvPr>
+          <p:cNvPicPr>
+            <a:picLocks noChangeAspect="1"/>
+          </p:cNvPicPr>
+          <p:nvPr/>
+        </p:nvPicPr>
+        <p:blipFill>
+          <a:blip r:embed="rId3"/>
+          <a:stretch>
+            <a:fillRect/>
+          </a:stretch>
+        </p:blipFill>
+        <p:spPr>
+          <a:xfrm>
+            <a:off x="5123180" y="1600200"/>
+            <a:ext cx="4706620" cy="3312479"/>
+          </a:xfrm>
+          <a:prstGeom prst="rect">
+            <a:avLst/>
+          </a:prstGeom>
+        </p:spPr>
+      </p:pic>
+    </p:spTree>
+    <p:extLst>
+      <p:ext uri="{BB962C8B-B14F-4D97-AF65-F5344CB8AC3E}">
+        <p14:creationId xmlns:p14="http://schemas.microsoft.com/office/powerpoint/2010/main" val="1430163357"/>
+      </p:ext>
+    </p:extLst>
+  </p:cSld>
+  <p:clrMapOvr>
+    <a:masterClrMapping/>
+  </p:clrMapOvr>
+</p:sld>
+</file>
+
 <file path=ppt/slides/slide2.xml><?xml version="1.0" encoding="utf-8"?>
 <p:sld xmlns:a="http://schemas.openxmlformats.org/drawingml/2006/main" xmlns:r="http://schemas.openxmlformats.org/officeDocument/2006/relationships" xmlns:p="http://schemas.openxmlformats.org/presentationml/2006/main">
   <p:cSld>
